--- a/presn/presen.pptx
+++ b/presn/presen.pptx
@@ -7,12 +7,13 @@
   <p:sldIdLst>
     <p:sldId id="256" r:id="rId2"/>
     <p:sldId id="257" r:id="rId3"/>
-    <p:sldId id="258" r:id="rId4"/>
-    <p:sldId id="259" r:id="rId5"/>
-    <p:sldId id="261" r:id="rId6"/>
-    <p:sldId id="260" r:id="rId7"/>
-    <p:sldId id="262" r:id="rId8"/>
-    <p:sldId id="263" r:id="rId9"/>
+    <p:sldId id="264" r:id="rId4"/>
+    <p:sldId id="258" r:id="rId5"/>
+    <p:sldId id="259" r:id="rId6"/>
+    <p:sldId id="261" r:id="rId7"/>
+    <p:sldId id="260" r:id="rId8"/>
+    <p:sldId id="262" r:id="rId9"/>
+    <p:sldId id="263" r:id="rId10"/>
   </p:sldIdLst>
   <p:sldSz cx="12192000" cy="6858000"/>
   <p:notesSz cx="6858000" cy="9144000"/>
@@ -111,6 +112,11 @@
       </a:defRPr>
     </a:lvl9pPr>
   </p:defaultTextStyle>
+  <p:extLst>
+    <p:ext uri="{EFAFB233-063F-42B5-8137-9DF3F51BA10A}">
+      <p15:sldGuideLst xmlns:p15="http://schemas.microsoft.com/office/powerpoint/2012/main"/>
+    </p:ext>
+  </p:extLst>
 </p:presentation>
 </file>
 
@@ -3609,6 +3615,13 @@
           <a:p>
             <a:r>
               <a:rPr kumimoji="1" lang="ja-JP" altLang="en-US" dirty="0" smtClean="0"/>
+              <a:t>最初に</a:t>
+            </a:r>
+            <a:endParaRPr kumimoji="1" lang="en-US" altLang="ja-JP" dirty="0" smtClean="0"/>
+          </a:p>
+          <a:p>
+            <a:r>
+              <a:rPr kumimoji="1" lang="ja-JP" altLang="en-US" dirty="0" smtClean="0"/>
               <a:t>目的</a:t>
             </a:r>
             <a:endParaRPr kumimoji="1" lang="en-US" altLang="ja-JP" dirty="0" smtClean="0"/>
@@ -3721,6 +3734,161 @@
           <a:chExt cx="0" cy="0"/>
         </a:xfrm>
       </p:grpSpPr>
+      <p:sp>
+        <p:nvSpPr>
+          <p:cNvPr id="2" name="タイトル 1"/>
+          <p:cNvSpPr>
+            <a:spLocks noGrp="1"/>
+          </p:cNvSpPr>
+          <p:nvPr>
+            <p:ph type="title"/>
+          </p:nvPr>
+        </p:nvSpPr>
+        <p:spPr/>
+        <p:txBody>
+          <a:bodyPr/>
+          <a:lstStyle/>
+          <a:p>
+            <a:r>
+              <a:rPr kumimoji="1" lang="ja-JP" altLang="en-US" dirty="0" smtClean="0"/>
+              <a:t>最初に</a:t>
+            </a:r>
+            <a:endParaRPr kumimoji="1" lang="ja-JP" altLang="en-US" dirty="0"/>
+          </a:p>
+        </p:txBody>
+      </p:sp>
+      <p:sp>
+        <p:nvSpPr>
+          <p:cNvPr id="3" name="コンテンツ プレースホルダー 2"/>
+          <p:cNvSpPr>
+            <a:spLocks noGrp="1"/>
+          </p:cNvSpPr>
+          <p:nvPr>
+            <p:ph idx="1"/>
+          </p:nvPr>
+        </p:nvSpPr>
+        <p:spPr/>
+        <p:txBody>
+          <a:bodyPr/>
+          <a:lstStyle/>
+          <a:p>
+            <a:pPr marL="0" indent="0">
+              <a:buNone/>
+            </a:pPr>
+            <a:r>
+              <a:rPr lang="ja-JP" altLang="en-US" dirty="0" smtClean="0"/>
+              <a:t>今回シャチク野郎</a:t>
+            </a:r>
+            <a:r>
+              <a:rPr lang="en-US" altLang="ja-JP" dirty="0" smtClean="0"/>
+              <a:t>A</a:t>
+            </a:r>
+            <a:r>
+              <a:rPr lang="ja-JP" altLang="en-US" dirty="0" smtClean="0"/>
+              <a:t>チームが作成した資材は</a:t>
+            </a:r>
+            <a:endParaRPr kumimoji="1" lang="en-US" altLang="ja-JP" dirty="0" smtClean="0">
+              <a:hlinkClick r:id="rId2"/>
+            </a:endParaRPr>
+          </a:p>
+          <a:p>
+            <a:pPr marL="0" indent="0">
+              <a:buNone/>
+            </a:pPr>
+            <a:r>
+              <a:rPr kumimoji="1" lang="en-US" altLang="ja-JP" dirty="0" smtClean="0">
+                <a:hlinkClick r:id="rId2"/>
+              </a:rPr>
+              <a:t>http://orenojs.ddo.jp</a:t>
+            </a:r>
+            <a:r>
+              <a:rPr kumimoji="1" lang="ja-JP" altLang="en-US" dirty="0" err="1" smtClean="0"/>
+              <a:t>にて</a:t>
+            </a:r>
+            <a:r>
+              <a:rPr kumimoji="1" lang="ja-JP" altLang="en-US" dirty="0" smtClean="0"/>
+              <a:t>公開中です。</a:t>
+            </a:r>
+            <a:endParaRPr kumimoji="1" lang="en-US" altLang="ja-JP" dirty="0" smtClean="0"/>
+          </a:p>
+          <a:p>
+            <a:pPr marL="0" indent="0">
+              <a:buNone/>
+            </a:pPr>
+            <a:r>
+              <a:rPr lang="en-US" altLang="ja-JP" dirty="0" smtClean="0"/>
+              <a:t>PC</a:t>
+            </a:r>
+            <a:r>
+              <a:rPr lang="ja-JP" altLang="en-US" dirty="0" smtClean="0"/>
+              <a:t>・スマートフォンにてご覧になりながら</a:t>
+            </a:r>
+            <a:endParaRPr lang="en-US" altLang="ja-JP" dirty="0" smtClean="0"/>
+          </a:p>
+          <a:p>
+            <a:pPr marL="0" indent="0">
+              <a:buNone/>
+            </a:pPr>
+            <a:r>
+              <a:rPr kumimoji="1" lang="ja-JP" altLang="en-US" dirty="0" smtClean="0"/>
+              <a:t>プレゼンをお聞きください。</a:t>
+            </a:r>
+            <a:r>
+              <a:rPr kumimoji="1" lang="en-US" altLang="ja-JP" dirty="0" smtClean="0"/>
+              <a:t>	</a:t>
+            </a:r>
+            <a:endParaRPr kumimoji="1" lang="ja-JP" altLang="en-US" dirty="0"/>
+          </a:p>
+        </p:txBody>
+      </p:sp>
+      <p:pic>
+        <p:nvPicPr>
+          <p:cNvPr id="5" name="図 4"/>
+          <p:cNvPicPr>
+            <a:picLocks noChangeAspect="1"/>
+          </p:cNvPicPr>
+          <p:nvPr/>
+        </p:nvPicPr>
+        <p:blipFill>
+          <a:blip r:embed="rId3"/>
+          <a:stretch>
+            <a:fillRect/>
+          </a:stretch>
+        </p:blipFill>
+        <p:spPr>
+          <a:xfrm>
+            <a:off x="2728400" y="4198276"/>
+            <a:ext cx="4879617" cy="2600557"/>
+          </a:xfrm>
+          <a:prstGeom prst="rect">
+            <a:avLst/>
+          </a:prstGeom>
+        </p:spPr>
+      </p:pic>
+      <p:pic>
+        <p:nvPicPr>
+          <p:cNvPr id="6" name="図 5"/>
+          <p:cNvPicPr>
+            <a:picLocks noChangeAspect="1"/>
+          </p:cNvPicPr>
+          <p:nvPr/>
+        </p:nvPicPr>
+        <p:blipFill>
+          <a:blip r:embed="rId4"/>
+          <a:stretch>
+            <a:fillRect/>
+          </a:stretch>
+        </p:blipFill>
+        <p:spPr>
+          <a:xfrm>
+            <a:off x="8004269" y="4198276"/>
+            <a:ext cx="1801073" cy="2659724"/>
+          </a:xfrm>
+          <a:prstGeom prst="rect">
+            <a:avLst/>
+          </a:prstGeom>
+        </p:spPr>
+      </p:pic>
       <p:pic>
         <p:nvPicPr>
           <p:cNvPr id="7" name="図 6"/>
@@ -3730,13 +3898,74 @@
           <p:nvPr/>
         </p:nvPicPr>
         <p:blipFill>
-          <a:blip r:embed="rId2">
+          <a:blip r:embed="rId5" cstate="print">
             <a:extLst>
               <a:ext uri="{28A0092B-C50C-407E-A947-70E740481C1C}">
                 <a14:useLocalDpi xmlns:a14="http://schemas.microsoft.com/office/drawing/2010/main" val="0"/>
               </a:ext>
             </a:extLst>
           </a:blip>
+          <a:stretch>
+            <a:fillRect/>
+          </a:stretch>
+        </p:blipFill>
+        <p:spPr>
+          <a:xfrm>
+            <a:off x="10030692" y="5957455"/>
+            <a:ext cx="2161308" cy="900545"/>
+          </a:xfrm>
+          <a:prstGeom prst="rect">
+            <a:avLst/>
+          </a:prstGeom>
+        </p:spPr>
+      </p:pic>
+    </p:spTree>
+    <p:extLst>
+      <p:ext uri="{BB962C8B-B14F-4D97-AF65-F5344CB8AC3E}">
+        <p14:creationId xmlns:p14="http://schemas.microsoft.com/office/powerpoint/2010/main" val="2978692965"/>
+      </p:ext>
+    </p:extLst>
+  </p:cSld>
+  <p:clrMapOvr>
+    <a:masterClrMapping/>
+  </p:clrMapOvr>
+  <p:timing>
+    <p:tnLst>
+      <p:par>
+        <p:cTn id="1" dur="indefinite" restart="never" nodeType="tmRoot"/>
+      </p:par>
+    </p:tnLst>
+  </p:timing>
+</p:sld>
+</file>
+
+<file path=ppt/slides/slide4.xml><?xml version="1.0" encoding="utf-8"?>
+<p:sld xmlns:a="http://schemas.openxmlformats.org/drawingml/2006/main" xmlns:r="http://schemas.openxmlformats.org/officeDocument/2006/relationships" xmlns:p="http://schemas.openxmlformats.org/presentationml/2006/main">
+  <p:cSld>
+    <p:spTree>
+      <p:nvGrpSpPr>
+        <p:cNvPr id="1" name=""/>
+        <p:cNvGrpSpPr/>
+        <p:nvPr/>
+      </p:nvGrpSpPr>
+      <p:grpSpPr>
+        <a:xfrm>
+          <a:off x="0" y="0"/>
+          <a:ext cx="0" cy="0"/>
+          <a:chOff x="0" y="0"/>
+          <a:chExt cx="0" cy="0"/>
+        </a:xfrm>
+      </p:grpSpPr>
+      <p:pic>
+        <p:nvPicPr>
+          <p:cNvPr id="5" name="図 4"/>
+          <p:cNvPicPr>
+            <a:picLocks noChangeAspect="1"/>
+          </p:cNvPicPr>
+          <p:nvPr/>
+        </p:nvPicPr>
+        <p:blipFill>
+          <a:blip r:embed="rId2"/>
           <a:stretch>
             <a:fillRect/>
           </a:stretch>
@@ -3894,7 +4123,7 @@
                             </p:stCondLst>
                             <p:childTnLst>
                               <p:par>
-                                <p:cTn id="5" presetID="22" presetClass="entr" presetSubtype="4" fill="hold" nodeType="clickEffect">
+                                <p:cTn id="5" presetID="14" presetClass="entr" presetSubtype="10" fill="hold" nodeType="clickEffect">
                                   <p:stCondLst>
                                     <p:cond delay="0"/>
                                   </p:stCondLst>
@@ -3907,7 +4136,7 @@
                                           </p:stCondLst>
                                         </p:cTn>
                                         <p:tgtEl>
-                                          <p:spTgt spid="7"/>
+                                          <p:spTgt spid="5"/>
                                         </p:tgtEl>
                                         <p:attrNameLst>
                                           <p:attrName>style.visibility</p:attrName>
@@ -3917,11 +4146,11 @@
                                         <p:strVal val="visible"/>
                                       </p:to>
                                     </p:set>
-                                    <p:animEffect transition="in" filter="wipe(down)">
+                                    <p:animEffect transition="in" filter="randombar(horizontal)">
                                       <p:cBhvr>
                                         <p:cTn id="7" dur="500"/>
                                         <p:tgtEl>
-                                          <p:spTgt spid="7"/>
+                                          <p:spTgt spid="5"/>
                                         </p:tgtEl>
                                       </p:cBhvr>
                                     </p:animEffect>
@@ -3929,7 +4158,7 @@
                                 </p:cTn>
                               </p:par>
                               <p:par>
-                                <p:cTn id="8" presetID="22" presetClass="entr" presetSubtype="4" fill="hold" grpId="0" nodeType="withEffect">
+                                <p:cTn id="8" presetID="14" presetClass="entr" presetSubtype="10" fill="hold" grpId="0" nodeType="withEffect">
                                   <p:stCondLst>
                                     <p:cond delay="0"/>
                                   </p:stCondLst>
@@ -3952,7 +4181,7 @@
                                         <p:strVal val="visible"/>
                                       </p:to>
                                     </p:set>
-                                    <p:animEffect transition="in" filter="wipe(down)">
+                                    <p:animEffect transition="in" filter="randombar(horizontal)">
                                       <p:cBhvr>
                                         <p:cTn id="10" dur="500"/>
                                         <p:tgtEl>
@@ -3997,7 +4226,7 @@
 </p:sld>
 </file>
 
-<file path=ppt/slides/slide4.xml><?xml version="1.0" encoding="utf-8"?>
+<file path=ppt/slides/slide5.xml><?xml version="1.0" encoding="utf-8"?>
 <p:sld xmlns:a="http://schemas.openxmlformats.org/drawingml/2006/main" xmlns:r="http://schemas.openxmlformats.org/officeDocument/2006/relationships" xmlns:p="http://schemas.openxmlformats.org/presentationml/2006/main">
   <p:cSld>
     <p:spTree>
@@ -4306,7 +4535,7 @@
 </p:sld>
 </file>
 
-<file path=ppt/slides/slide5.xml><?xml version="1.0" encoding="utf-8"?>
+<file path=ppt/slides/slide6.xml><?xml version="1.0" encoding="utf-8"?>
 <p:sld xmlns:a="http://schemas.openxmlformats.org/drawingml/2006/main" xmlns:r="http://schemas.openxmlformats.org/officeDocument/2006/relationships" xmlns:p="http://schemas.openxmlformats.org/presentationml/2006/main">
   <p:cSld>
     <p:spTree>
@@ -4447,7 +4676,7 @@
 </p:sld>
 </file>
 
-<file path=ppt/slides/slide6.xml><?xml version="1.0" encoding="utf-8"?>
+<file path=ppt/slides/slide7.xml><?xml version="1.0" encoding="utf-8"?>
 <p:sld xmlns:a="http://schemas.openxmlformats.org/drawingml/2006/main" xmlns:r="http://schemas.openxmlformats.org/officeDocument/2006/relationships" xmlns:p="http://schemas.openxmlformats.org/presentationml/2006/main">
   <p:cSld>
     <p:spTree>
@@ -4543,7 +4772,7 @@
         <p:spPr>
           <a:xfrm>
             <a:off x="1066800" y="3956196"/>
-            <a:ext cx="7121235" cy="461665"/>
+            <a:ext cx="7997687" cy="461665"/>
           </a:xfrm>
           <a:prstGeom prst="rect">
             <a:avLst/>
@@ -4557,8 +4786,12 @@
           <a:lstStyle/>
           <a:p>
             <a:r>
-              <a:rPr kumimoji="1" lang="ja-JP" altLang="en-US" sz="2400" dirty="0" smtClean="0"/>
-              <a:t>どこかの</a:t>
+              <a:rPr kumimoji="1" lang="en-US" altLang="ja-JP" sz="2400" dirty="0" smtClean="0"/>
+              <a:t>SSL</a:t>
+            </a:r>
+            <a:r>
+              <a:rPr lang="ja-JP" altLang="en-US" sz="2400" dirty="0"/>
+              <a:t>はどこかの </a:t>
             </a:r>
             <a:r>
               <a:rPr kumimoji="1" lang="en-US" altLang="ja-JP" sz="2400" dirty="0" smtClean="0"/>
@@ -4822,7 +5055,11 @@
           <a:p>
             <a:r>
               <a:rPr kumimoji="1" lang="ja-JP" altLang="en-US" sz="2400" dirty="0" smtClean="0"/>
-              <a:t>猫耳大好物です！</a:t>
+              <a:t>俺らは猫耳大好物です</a:t>
+            </a:r>
+            <a:r>
+              <a:rPr kumimoji="1" lang="ja-JP" altLang="en-US" sz="2400" dirty="0" smtClean="0"/>
+              <a:t>！上司ラブになる！</a:t>
             </a:r>
             <a:endParaRPr kumimoji="1" lang="ja-JP" altLang="en-US" sz="2400" dirty="0"/>
           </a:p>
@@ -5054,7 +5291,7 @@
       </p:sp>
       <p:pic>
         <p:nvPicPr>
-          <p:cNvPr id="10" name="図 9"/>
+          <p:cNvPr id="11" name="図 10"/>
           <p:cNvPicPr>
             <a:picLocks noChangeAspect="1"/>
           </p:cNvPicPr>
@@ -5068,8 +5305,8 @@
         </p:blipFill>
         <p:spPr>
           <a:xfrm>
-            <a:off x="0" y="-70964"/>
-            <a:ext cx="12192000" cy="7009460"/>
+            <a:off x="159834" y="223593"/>
+            <a:ext cx="11872332" cy="6210299"/>
           </a:xfrm>
           <a:prstGeom prst="rect">
             <a:avLst/>
@@ -5434,7 +5671,7 @@
                             </p:stCondLst>
                             <p:childTnLst>
                               <p:par>
-                                <p:cTn id="26" presetID="16" presetClass="entr" presetSubtype="21" fill="hold" nodeType="clickEffect">
+                                <p:cTn id="26" presetID="14" presetClass="entr" presetSubtype="10" fill="hold" nodeType="clickEffect">
                                   <p:stCondLst>
                                     <p:cond delay="0"/>
                                   </p:stCondLst>
@@ -5447,7 +5684,7 @@
                                           </p:stCondLst>
                                         </p:cTn>
                                         <p:tgtEl>
-                                          <p:spTgt spid="10"/>
+                                          <p:spTgt spid="11"/>
                                         </p:tgtEl>
                                         <p:attrNameLst>
                                           <p:attrName>style.visibility</p:attrName>
@@ -5457,11 +5694,11 @@
                                         <p:strVal val="visible"/>
                                       </p:to>
                                     </p:set>
-                                    <p:animEffect transition="in" filter="barn(inVertical)">
+                                    <p:animEffect transition="in" filter="randombar(horizontal)">
                                       <p:cBhvr>
                                         <p:cTn id="28" dur="500"/>
                                         <p:tgtEl>
-                                          <p:spTgt spid="10"/>
+                                          <p:spTgt spid="11"/>
                                         </p:tgtEl>
                                       </p:cBhvr>
                                     </p:animEffect>
@@ -5504,7 +5741,7 @@
 </p:sld>
 </file>
 
-<file path=ppt/slides/slide7.xml><?xml version="1.0" encoding="utf-8"?>
+<file path=ppt/slides/slide8.xml><?xml version="1.0" encoding="utf-8"?>
 <p:sld xmlns:a="http://schemas.openxmlformats.org/drawingml/2006/main" xmlns:r="http://schemas.openxmlformats.org/officeDocument/2006/relationships" xmlns:p="http://schemas.openxmlformats.org/presentationml/2006/main">
   <p:cSld>
     <p:spTree>
@@ -5554,34 +5791,127 @@
             <p:ph idx="1"/>
           </p:nvPr>
         </p:nvSpPr>
-        <p:spPr/>
-        <p:txBody>
-          <a:bodyPr/>
-          <a:lstStyle/>
-          <a:p>
-            <a:r>
-              <a:rPr kumimoji="1" lang="ja-JP" altLang="en-US" dirty="0" smtClean="0"/>
-              <a:t>猫耳が馬の耳になります。</a:t>
-            </a:r>
+        <p:spPr>
+          <a:xfrm>
+            <a:off x="838200" y="1825625"/>
+            <a:ext cx="11645348" cy="4351338"/>
+          </a:xfrm>
+        </p:spPr>
+        <p:txBody>
+          <a:bodyPr>
+            <a:normAutofit/>
+          </a:bodyPr>
+          <a:lstStyle/>
+          <a:p>
+            <a:r>
+              <a:rPr lang="ja-JP" altLang="en-US" sz="3200" dirty="0" smtClean="0"/>
+              <a:t>妹かつら対応</a:t>
+            </a:r>
+            <a:r>
+              <a:rPr lang="en-US" altLang="ja-JP" sz="3200" dirty="0" smtClean="0"/>
+              <a:t>(</a:t>
+            </a:r>
+            <a:r>
+              <a:rPr lang="ja-JP" altLang="en-US" sz="3200" dirty="0" smtClean="0"/>
+              <a:t>上司を萌えの対象とする。</a:t>
+            </a:r>
+            <a:r>
+              <a:rPr lang="en-US" altLang="ja-JP" sz="3200" dirty="0" smtClean="0"/>
+              <a:t>)</a:t>
+            </a:r>
+          </a:p>
+          <a:p>
+            <a:r>
+              <a:rPr lang="ja-JP" altLang="en-US" sz="3200" dirty="0" smtClean="0"/>
+              <a:t>猫背</a:t>
+            </a:r>
+            <a:r>
+              <a:rPr lang="ja-JP" altLang="en-US" sz="3200" dirty="0"/>
+              <a:t>対応</a:t>
+            </a:r>
+            <a:r>
+              <a:rPr lang="en-US" altLang="ja-JP" sz="3200" dirty="0"/>
+              <a:t>(</a:t>
+            </a:r>
+            <a:r>
+              <a:rPr lang="ja-JP" altLang="en-US" sz="3200" dirty="0"/>
+              <a:t>上司を折り曲げます</a:t>
+            </a:r>
+            <a:r>
+              <a:rPr lang="en-US" altLang="ja-JP" sz="3200" dirty="0"/>
+              <a:t>)</a:t>
+            </a:r>
+          </a:p>
+          <a:p>
+            <a:r>
+              <a:rPr kumimoji="1" lang="ja-JP" altLang="en-US" sz="3200" dirty="0" smtClean="0"/>
+              <a:t>猫</a:t>
+            </a:r>
+            <a:r>
+              <a:rPr kumimoji="1" lang="ja-JP" altLang="en-US" sz="3200" dirty="0" smtClean="0"/>
+              <a:t>耳から広がる馬の</a:t>
+            </a:r>
+            <a:r>
+              <a:rPr kumimoji="1" lang="ja-JP" altLang="en-US" sz="3200" dirty="0" smtClean="0"/>
+              <a:t>耳対応へ。</a:t>
+            </a:r>
+            <a:r>
+              <a:rPr kumimoji="1" lang="en-US" altLang="ja-JP" sz="3200" dirty="0" smtClean="0"/>
+              <a:t>(</a:t>
+            </a:r>
+            <a:r>
+              <a:rPr kumimoji="1" lang="ja-JP" altLang="en-US" sz="3200" dirty="0" smtClean="0"/>
+              <a:t>上司の言葉は聞こえません。</a:t>
+            </a:r>
+            <a:r>
+              <a:rPr kumimoji="1" lang="en-US" altLang="ja-JP" sz="3200" dirty="0" smtClean="0"/>
+              <a:t>)</a:t>
+            </a:r>
+            <a:endParaRPr lang="en-US" altLang="ja-JP" sz="3200" dirty="0"/>
+          </a:p>
+          <a:p>
+            <a:r>
+              <a:rPr lang="ja-JP" altLang="en-US" sz="3200" dirty="0" smtClean="0"/>
+              <a:t>二階</a:t>
+            </a:r>
+            <a:r>
+              <a:rPr lang="ja-JP" altLang="en-US" sz="3200" dirty="0" smtClean="0"/>
+              <a:t>から上司を落としても大丈夫かも？たぶん大丈夫だよ・・</a:t>
+            </a:r>
+            <a:r>
+              <a:rPr lang="ja-JP" altLang="en-US" sz="3200" dirty="0" smtClean="0"/>
+              <a:t>・</a:t>
+            </a:r>
+            <a:endParaRPr lang="en-US" altLang="ja-JP" sz="3200" dirty="0" smtClean="0"/>
+          </a:p>
+          <a:p>
             <a:endParaRPr lang="en-US" altLang="ja-JP" dirty="0"/>
           </a:p>
           <a:p>
-            <a:r>
-              <a:rPr kumimoji="1" lang="ja-JP" altLang="en-US" dirty="0" smtClean="0"/>
-              <a:t>猫背対応</a:t>
-            </a:r>
-            <a:r>
-              <a:rPr kumimoji="1" lang="en-US" altLang="ja-JP" dirty="0" smtClean="0"/>
-              <a:t>(</a:t>
+            <a:pPr marL="0" indent="0">
+              <a:buNone/>
+            </a:pPr>
+            <a:endParaRPr lang="en-US" altLang="ja-JP" dirty="0" smtClean="0"/>
+          </a:p>
+          <a:p>
+            <a:pPr marL="0" indent="0">
+              <a:buNone/>
+            </a:pPr>
+            <a:r>
+              <a:rPr lang="en-US" altLang="ja-JP" dirty="0" err="1" smtClean="0"/>
+              <a:t>Etc</a:t>
             </a:r>
             <a:r>
               <a:rPr lang="ja-JP" altLang="en-US" dirty="0" smtClean="0"/>
-              <a:t>上司を折り曲げます</a:t>
-            </a:r>
-            <a:r>
-              <a:rPr kumimoji="1" lang="en-US" altLang="ja-JP" dirty="0" smtClean="0"/>
-              <a:t>)</a:t>
-            </a:r>
+              <a:t>・・・</a:t>
+            </a:r>
+            <a:endParaRPr lang="en-US" altLang="ja-JP" dirty="0" smtClean="0"/>
+          </a:p>
+          <a:p>
+            <a:endParaRPr lang="en-US" altLang="ja-JP" dirty="0" smtClean="0"/>
+          </a:p>
+          <a:p>
+            <a:endParaRPr lang="en-US" altLang="ja-JP" dirty="0" smtClean="0"/>
           </a:p>
         </p:txBody>
       </p:sp>
@@ -5593,7 +5923,7 @@
         </p:nvSpPr>
         <p:spPr>
           <a:xfrm>
-            <a:off x="1773382" y="1690688"/>
+            <a:off x="1499364" y="774766"/>
             <a:ext cx="8963891" cy="4377603"/>
           </a:xfrm>
           <a:prstGeom prst="irregularSeal2">
@@ -5637,11 +5967,14 @@
         </p:nvSpPr>
         <p:spPr>
           <a:xfrm>
-            <a:off x="1420092" y="697634"/>
-            <a:ext cx="9317181" cy="5811838"/>
+            <a:off x="1264734" y="202202"/>
+            <a:ext cx="9846612" cy="6467603"/>
           </a:xfrm>
           <a:prstGeom prst="rightArrow">
-            <a:avLst/>
+            <a:avLst>
+              <a:gd name="adj1" fmla="val 38658"/>
+              <a:gd name="adj2" fmla="val 50000"/>
+            </a:avLst>
           </a:prstGeom>
         </p:spPr>
         <p:style>
@@ -5666,26 +5999,38 @@
           <a:p>
             <a:pPr algn="ctr"/>
             <a:r>
-              <a:rPr kumimoji="1" lang="ja-JP" altLang="en-US" sz="6600" dirty="0" smtClean="0"/>
+              <a:rPr kumimoji="1" lang="ja-JP" altLang="en-US" sz="4000" dirty="0" smtClean="0"/>
+              <a:t>シャチク解放なんてどうでもいい</a:t>
+            </a:r>
+            <a:endParaRPr kumimoji="1" lang="en-US" altLang="ja-JP" sz="4000" dirty="0" smtClean="0"/>
+          </a:p>
+          <a:p>
+            <a:pPr algn="ctr"/>
+            <a:r>
+              <a:rPr kumimoji="1" lang="ja-JP" altLang="en-US" sz="4000" dirty="0" smtClean="0"/>
               <a:t>リアル上司の猫耳化</a:t>
             </a:r>
-            <a:endParaRPr kumimoji="1" lang="en-US" altLang="ja-JP" sz="6600" dirty="0" smtClean="0"/>
+            <a:endParaRPr kumimoji="1" lang="en-US" altLang="ja-JP" sz="4000" dirty="0" smtClean="0"/>
           </a:p>
           <a:p>
             <a:pPr algn="ctr"/>
             <a:r>
-              <a:rPr lang="en-US" altLang="ja-JP" sz="6600" dirty="0" smtClean="0"/>
+              <a:rPr lang="en-US" altLang="ja-JP" sz="4000" dirty="0" smtClean="0"/>
               <a:t>(</a:t>
             </a:r>
             <a:r>
-              <a:rPr lang="ja-JP" altLang="en-US" sz="6600" dirty="0" smtClean="0"/>
-              <a:t>我々の時代到来</a:t>
-            </a:r>
-            <a:r>
-              <a:rPr lang="en-US" altLang="ja-JP" sz="6600" dirty="0" smtClean="0"/>
+              <a:rPr lang="ja-JP" altLang="en-US" sz="4000" dirty="0" smtClean="0"/>
+              <a:t>そして猫耳時代</a:t>
+            </a:r>
+            <a:r>
+              <a:rPr lang="ja-JP" altLang="en-US" sz="4000" dirty="0" smtClean="0"/>
+              <a:t>到来</a:t>
+            </a:r>
+            <a:r>
+              <a:rPr lang="en-US" altLang="ja-JP" sz="4000" dirty="0" smtClean="0"/>
               <a:t>)</a:t>
             </a:r>
-            <a:endParaRPr kumimoji="1" lang="ja-JP" altLang="en-US" sz="6600" dirty="0"/>
+            <a:endParaRPr kumimoji="1" lang="ja-JP" altLang="en-US" sz="4000" dirty="0"/>
           </a:p>
         </p:txBody>
       </p:sp>
@@ -6140,7 +6485,7 @@
 </p:sld>
 </file>
 
-<file path=ppt/slides/slide8.xml><?xml version="1.0" encoding="utf-8"?>
+<file path=ppt/slides/slide9.xml><?xml version="1.0" encoding="utf-8"?>
 <p:sld xmlns:a="http://schemas.openxmlformats.org/drawingml/2006/main" xmlns:r="http://schemas.openxmlformats.org/officeDocument/2006/relationships" xmlns:p="http://schemas.openxmlformats.org/presentationml/2006/main">
   <p:cSld>
     <p:spTree>

--- a/presn/presen.pptx
+++ b/presn/presen.pptx
@@ -4343,8 +4343,12 @@
           <a:lstStyle/>
           <a:p>
             <a:r>
+              <a:rPr lang="en-US" altLang="ja-JP" sz="3600" dirty="0" err="1" smtClean="0"/>
+              <a:t>Php</a:t>
+            </a:r>
+            <a:r>
               <a:rPr lang="ja-JP" altLang="en-US" sz="3600" dirty="0" smtClean="0"/>
-              <a:t>知見的に怪しいけど、</a:t>
+              <a:t>はあまり得意じゃないけど、</a:t>
             </a:r>
             <a:endParaRPr lang="en-US" altLang="ja-JP" sz="3600" dirty="0" smtClean="0"/>
           </a:p>
@@ -5039,8 +5043,8 @@
         </p:nvSpPr>
         <p:spPr>
           <a:xfrm>
-            <a:off x="1066800" y="2744684"/>
-            <a:ext cx="7121235" cy="461665"/>
+            <a:off x="1066800" y="2744685"/>
+            <a:ext cx="10474036" cy="461665"/>
           </a:xfrm>
           <a:prstGeom prst="rect">
             <a:avLst/>
@@ -5054,12 +5058,24 @@
           <a:lstStyle/>
           <a:p>
             <a:r>
+              <a:rPr lang="ja-JP" altLang="en-US" sz="2400" dirty="0" smtClean="0"/>
+              <a:t>老若男女！</a:t>
+            </a:r>
+            <a:r>
               <a:rPr kumimoji="1" lang="ja-JP" altLang="en-US" sz="2400" dirty="0" smtClean="0"/>
-              <a:t>俺らは猫耳大好物です</a:t>
+              <a:t>猫耳が大好物</a:t>
             </a:r>
             <a:r>
               <a:rPr kumimoji="1" lang="ja-JP" altLang="en-US" sz="2400" dirty="0" smtClean="0"/>
-              <a:t>！上司ラブになる！</a:t>
+              <a:t>です</a:t>
+            </a:r>
+            <a:r>
+              <a:rPr kumimoji="1" lang="ja-JP" altLang="en-US" sz="2400" dirty="0" smtClean="0"/>
+              <a:t>！どんなに嫌な上司でも猫耳でラブ</a:t>
+            </a:r>
+            <a:r>
+              <a:rPr kumimoji="1" lang="ja-JP" altLang="en-US" sz="2400" dirty="0" smtClean="0"/>
+              <a:t>になる！</a:t>
             </a:r>
             <a:endParaRPr kumimoji="1" lang="ja-JP" altLang="en-US" sz="2400" dirty="0"/>
           </a:p>
@@ -5305,7 +5321,7 @@
         </p:blipFill>
         <p:spPr>
           <a:xfrm>
-            <a:off x="159834" y="223593"/>
+            <a:off x="181118" y="334167"/>
             <a:ext cx="11872332" cy="6210299"/>
           </a:xfrm>
           <a:prstGeom prst="rect">
@@ -5696,7 +5712,7 @@
                                     </p:set>
                                     <p:animEffect transition="in" filter="randombar(horizontal)">
                                       <p:cBhvr>
-                                        <p:cTn id="28" dur="500"/>
+                                        <p:cTn id="28" dur="2700"/>
                                         <p:tgtEl>
                                           <p:spTgt spid="11"/>
                                         </p:tgtEl>
@@ -5813,7 +5829,7 @@
             </a:r>
             <a:r>
               <a:rPr lang="ja-JP" altLang="en-US" sz="3200" dirty="0" smtClean="0"/>
-              <a:t>上司を萌えの対象とする。</a:t>
+              <a:t>猫耳との相乗効果で萌え度２００％。</a:t>
             </a:r>
             <a:r>
               <a:rPr lang="en-US" altLang="ja-JP" sz="3200" dirty="0" smtClean="0"/>
@@ -5845,15 +5861,15 @@
           <a:p>
             <a:r>
               <a:rPr kumimoji="1" lang="ja-JP" altLang="en-US" sz="3200" dirty="0" smtClean="0"/>
-              <a:t>猫</a:t>
+              <a:t>猫耳</a:t>
             </a:r>
             <a:r>
               <a:rPr kumimoji="1" lang="ja-JP" altLang="en-US" sz="3200" dirty="0" smtClean="0"/>
-              <a:t>耳から広がる馬の</a:t>
+              <a:t>から馬</a:t>
             </a:r>
             <a:r>
               <a:rPr kumimoji="1" lang="ja-JP" altLang="en-US" sz="3200" dirty="0" smtClean="0"/>
-              <a:t>耳対応へ。</a:t>
+              <a:t>の耳対応へ。</a:t>
             </a:r>
             <a:r>
               <a:rPr kumimoji="1" lang="en-US" altLang="ja-JP" sz="3200" dirty="0" smtClean="0"/>
@@ -5861,7 +5877,15 @@
             </a:r>
             <a:r>
               <a:rPr kumimoji="1" lang="ja-JP" altLang="en-US" sz="3200" dirty="0" smtClean="0"/>
-              <a:t>上司の言葉は聞こえません。</a:t>
+              <a:t>上司の言葉</a:t>
+            </a:r>
+            <a:r>
+              <a:rPr kumimoji="1" lang="ja-JP" altLang="en-US" sz="3200" dirty="0" smtClean="0"/>
+              <a:t>はもはや聞こえません</a:t>
+            </a:r>
+            <a:r>
+              <a:rPr kumimoji="1" lang="ja-JP" altLang="en-US" sz="3200" dirty="0" smtClean="0"/>
+              <a:t>。</a:t>
             </a:r>
             <a:r>
               <a:rPr kumimoji="1" lang="en-US" altLang="ja-JP" sz="3200" dirty="0" smtClean="0"/>
@@ -5872,15 +5896,15 @@
           <a:p>
             <a:r>
               <a:rPr lang="ja-JP" altLang="en-US" sz="3200" dirty="0" smtClean="0"/>
-              <a:t>二階</a:t>
+              <a:t>猫耳があれば、２階くらいなら落として</a:t>
             </a:r>
             <a:r>
               <a:rPr lang="ja-JP" altLang="en-US" sz="3200" dirty="0" smtClean="0"/>
-              <a:t>から上司を落としても大丈夫かも？たぶん大丈夫だよ・・</a:t>
+              <a:t>も</a:t>
             </a:r>
             <a:r>
               <a:rPr lang="ja-JP" altLang="en-US" sz="3200" dirty="0" smtClean="0"/>
-              <a:t>・</a:t>
+              <a:t>大丈夫なんだからね</a:t>
             </a:r>
             <a:endParaRPr lang="en-US" altLang="ja-JP" sz="3200" dirty="0" smtClean="0"/>
           </a:p>
@@ -5923,7 +5947,7 @@
         </p:nvSpPr>
         <p:spPr>
           <a:xfrm>
-            <a:off x="1499364" y="774766"/>
+            <a:off x="1777145" y="1444915"/>
             <a:ext cx="8963891" cy="4377603"/>
           </a:xfrm>
           <a:prstGeom prst="irregularSeal2">
@@ -5967,7 +5991,7 @@
         </p:nvSpPr>
         <p:spPr>
           <a:xfrm>
-            <a:off x="1264734" y="202202"/>
+            <a:off x="1335785" y="154789"/>
             <a:ext cx="9846612" cy="6467603"/>
           </a:xfrm>
           <a:prstGeom prst="rightArrow">
@@ -6020,11 +6044,15 @@
             </a:r>
             <a:r>
               <a:rPr lang="ja-JP" altLang="en-US" sz="4000" dirty="0" smtClean="0"/>
-              <a:t>そして猫耳時代</a:t>
+              <a:t>猫</a:t>
             </a:r>
             <a:r>
               <a:rPr lang="ja-JP" altLang="en-US" sz="4000" dirty="0" smtClean="0"/>
-              <a:t>到来</a:t>
+              <a:t>耳時代</a:t>
+            </a:r>
+            <a:r>
+              <a:rPr lang="ja-JP" altLang="en-US" sz="4000" dirty="0" smtClean="0"/>
+              <a:t>到来を目指します！</a:t>
             </a:r>
             <a:r>
               <a:rPr lang="en-US" altLang="ja-JP" sz="4000" dirty="0" smtClean="0"/>
